--- a/Chapter6/6장/06.상속-이클립스.pptx
+++ b/Chapter6/6장/06.상속-이클립스.pptx
@@ -271,7 +271,7 @@
           <a:p>
             <a:fld id="{4C2205E6-15DC-4A1B-B1F1-33E75EBD2620}" type="datetimeFigureOut">
               <a:rPr lang="ko-KR" altLang="en-US" smtClean="0"/>
-              <a:t>2024-05-01</a:t>
+              <a:t>2024-05-06</a:t>
             </a:fld>
             <a:endParaRPr lang="ko-KR" altLang="en-US"/>
           </a:p>
@@ -448,7 +448,7 @@
           <a:p>
             <a:fld id="{EF4C9EC8-2009-4890-843E-AC122F09E04A}" type="datetimeFigureOut">
               <a:rPr lang="ko-KR" altLang="en-US" smtClean="0"/>
-              <a:t>2024-05-01</a:t>
+              <a:t>2024-05-06</a:t>
             </a:fld>
             <a:endParaRPr lang="ko-KR" altLang="en-US"/>
           </a:p>
@@ -2165,7 +2165,7 @@
               <a:pPr>
                 <a:defRPr/>
               </a:pPr>
-              <a:t>2024-05-01</a:t>
+              <a:t>2024-05-06</a:t>
             </a:fld>
             <a:endParaRPr lang="ko-KR" altLang="en-US"/>
           </a:p>
@@ -9677,6 +9677,58 @@
           </a:prstGeom>
         </p:spPr>
       </p:pic>
+      <p:sp>
+        <p:nvSpPr>
+          <p:cNvPr id="5" name="TextBox 4">
+            <a:extLst>
+              <a:ext uri="{FF2B5EF4-FFF2-40B4-BE49-F238E27FC236}">
+                <a16:creationId xmlns:a16="http://schemas.microsoft.com/office/drawing/2014/main" id="{C3A585BE-DF2A-96FF-6290-6CE0E31BEDED}"/>
+              </a:ext>
+            </a:extLst>
+          </p:cNvPr>
+          <p:cNvSpPr txBox="1"/>
+          <p:nvPr/>
+        </p:nvSpPr>
+        <p:spPr>
+          <a:xfrm>
+            <a:off x="5016617" y="5595457"/>
+            <a:ext cx="1501629" cy="276999"/>
+          </a:xfrm>
+          <a:prstGeom prst="rect">
+            <a:avLst/>
+          </a:prstGeom>
+          <a:noFill/>
+        </p:spPr>
+        <p:txBody>
+          <a:bodyPr wrap="square" rtlCol="0">
+            <a:spAutoFit/>
+          </a:bodyPr>
+          <a:lstStyle/>
+          <a:p>
+            <a:r>
+              <a:rPr lang="ko-KR" altLang="en-US" sz="1200" b="1" dirty="0">
+                <a:solidFill>
+                  <a:srgbClr val="FF0000"/>
+                </a:solidFill>
+              </a:rPr>
+              <a:t>위 오타</a:t>
+            </a:r>
+            <a:r>
+              <a:rPr lang="en-US" altLang="ko-KR" sz="1200" b="1" dirty="0">
+                <a:solidFill>
+                  <a:srgbClr val="FF0000"/>
+                </a:solidFill>
+              </a:rPr>
+              <a:t>! exports</a:t>
+            </a:r>
+            <a:endParaRPr lang="ko-KR" altLang="en-US" sz="1200" b="1" dirty="0">
+              <a:solidFill>
+                <a:srgbClr val="FF0000"/>
+              </a:solidFill>
+            </a:endParaRPr>
+          </a:p>
+        </p:txBody>
+      </p:sp>
     </p:spTree>
     <p:extLst>
       <p:ext uri="{BB962C8B-B14F-4D97-AF65-F5344CB8AC3E}">
@@ -9753,10 +9805,18 @@
           <a:p>
             <a:pPr lvl="1"/>
             <a:r>
-              <a:rPr lang="ko-KR" altLang="en-US" dirty="0"/>
+              <a:rPr lang="ko-KR" altLang="en-US" dirty="0">
+                <a:solidFill>
+                  <a:srgbClr val="FF0000"/>
+                </a:solidFill>
+              </a:rPr>
               <a:t>이클립스는 모듈을 별도로 생성하는 것이 아니라 프로젝트에 모듈 기술자를 추가하여 모듈로 사용</a:t>
             </a:r>
-            <a:endParaRPr lang="en-US" altLang="ko-KR" dirty="0"/>
+            <a:endParaRPr lang="en-US" altLang="ko-KR" dirty="0">
+              <a:solidFill>
+                <a:srgbClr val="FF0000"/>
+              </a:solidFill>
+            </a:endParaRPr>
           </a:p>
           <a:p>
             <a:pPr lvl="1"/>
